--- a/helion/preso.pptx
+++ b/helion/preso.pptx
@@ -243,7 +243,7 @@
           <a:p>
             <a:fld id="{38E65AE3-927F-4CFF-A075-42B4DE151853}" type="datetimeFigureOut">
               <a:rPr lang="en-US" smtClean="0"/>
-              <a:t>5/31/2016</a:t>
+              <a:t>6/1/2016</a:t>
             </a:fld>
             <a:endParaRPr lang="en-US"/>
           </a:p>
@@ -413,7 +413,7 @@
           <a:p>
             <a:fld id="{38E65AE3-927F-4CFF-A075-42B4DE151853}" type="datetimeFigureOut">
               <a:rPr lang="en-US" smtClean="0"/>
-              <a:t>5/31/2016</a:t>
+              <a:t>6/1/2016</a:t>
             </a:fld>
             <a:endParaRPr lang="en-US"/>
           </a:p>
@@ -593,7 +593,7 @@
           <a:p>
             <a:fld id="{38E65AE3-927F-4CFF-A075-42B4DE151853}" type="datetimeFigureOut">
               <a:rPr lang="en-US" smtClean="0"/>
-              <a:t>5/31/2016</a:t>
+              <a:t>6/1/2016</a:t>
             </a:fld>
             <a:endParaRPr lang="en-US"/>
           </a:p>
@@ -763,7 +763,7 @@
           <a:p>
             <a:fld id="{38E65AE3-927F-4CFF-A075-42B4DE151853}" type="datetimeFigureOut">
               <a:rPr lang="en-US" smtClean="0"/>
-              <a:t>5/31/2016</a:t>
+              <a:t>6/1/2016</a:t>
             </a:fld>
             <a:endParaRPr lang="en-US"/>
           </a:p>
@@ -1009,7 +1009,7 @@
           <a:p>
             <a:fld id="{38E65AE3-927F-4CFF-A075-42B4DE151853}" type="datetimeFigureOut">
               <a:rPr lang="en-US" smtClean="0"/>
-              <a:t>5/31/2016</a:t>
+              <a:t>6/1/2016</a:t>
             </a:fld>
             <a:endParaRPr lang="en-US"/>
           </a:p>
@@ -1241,7 +1241,7 @@
           <a:p>
             <a:fld id="{38E65AE3-927F-4CFF-A075-42B4DE151853}" type="datetimeFigureOut">
               <a:rPr lang="en-US" smtClean="0"/>
-              <a:t>5/31/2016</a:t>
+              <a:t>6/1/2016</a:t>
             </a:fld>
             <a:endParaRPr lang="en-US"/>
           </a:p>
@@ -1608,7 +1608,7 @@
           <a:p>
             <a:fld id="{38E65AE3-927F-4CFF-A075-42B4DE151853}" type="datetimeFigureOut">
               <a:rPr lang="en-US" smtClean="0"/>
-              <a:t>5/31/2016</a:t>
+              <a:t>6/1/2016</a:t>
             </a:fld>
             <a:endParaRPr lang="en-US"/>
           </a:p>
@@ -1726,7 +1726,7 @@
           <a:p>
             <a:fld id="{38E65AE3-927F-4CFF-A075-42B4DE151853}" type="datetimeFigureOut">
               <a:rPr lang="en-US" smtClean="0"/>
-              <a:t>5/31/2016</a:t>
+              <a:t>6/1/2016</a:t>
             </a:fld>
             <a:endParaRPr lang="en-US"/>
           </a:p>
@@ -1821,7 +1821,7 @@
           <a:p>
             <a:fld id="{38E65AE3-927F-4CFF-A075-42B4DE151853}" type="datetimeFigureOut">
               <a:rPr lang="en-US" smtClean="0"/>
-              <a:t>5/31/2016</a:t>
+              <a:t>6/1/2016</a:t>
             </a:fld>
             <a:endParaRPr lang="en-US"/>
           </a:p>
@@ -2098,7 +2098,7 @@
           <a:p>
             <a:fld id="{38E65AE3-927F-4CFF-A075-42B4DE151853}" type="datetimeFigureOut">
               <a:rPr lang="en-US" smtClean="0"/>
-              <a:t>5/31/2016</a:t>
+              <a:t>6/1/2016</a:t>
             </a:fld>
             <a:endParaRPr lang="en-US"/>
           </a:p>
@@ -2351,7 +2351,7 @@
           <a:p>
             <a:fld id="{38E65AE3-927F-4CFF-A075-42B4DE151853}" type="datetimeFigureOut">
               <a:rPr lang="en-US" smtClean="0"/>
-              <a:t>5/31/2016</a:t>
+              <a:t>6/1/2016</a:t>
             </a:fld>
             <a:endParaRPr lang="en-US"/>
           </a:p>
@@ -2564,7 +2564,7 @@
           <a:p>
             <a:fld id="{38E65AE3-927F-4CFF-A075-42B4DE151853}" type="datetimeFigureOut">
               <a:rPr lang="en-US" smtClean="0"/>
-              <a:t>5/31/2016</a:t>
+              <a:t>6/1/2016</a:t>
             </a:fld>
             <a:endParaRPr lang="en-US"/>
           </a:p>
@@ -2986,7 +2986,11 @@
           <a:p>
             <a:r>
               <a:rPr lang="en-US" smtClean="0"/>
-              <a:t>Test 1</a:t>
+              <a:t>Test </a:t>
+            </a:r>
+            <a:r>
+              <a:rPr lang="en-US" smtClean="0"/>
+              <a:t>1x</a:t>
             </a:r>
             <a:endParaRPr lang="en-US" dirty="0"/>
           </a:p>
@@ -3007,7 +3011,7 @@
           <a:bodyPr/>
           <a:lstStyle/>
           <a:p>
-            <a:endParaRPr lang="en-US"/>
+            <a:endParaRPr lang="en-US" dirty="0"/>
           </a:p>
         </p:txBody>
       </p:sp>
